--- a/dataStructures/specialty/figs.pptx
+++ b/dataStructures/specialty/figs.pptx
@@ -9999,7 +9999,7 @@
     <p:bg>
       <p:bgPr>
         <a:solidFill>
-          <a:schemeClr val="bg1"/>
+          <a:srgbClr val="FFFFE0"/>
         </a:solidFill>
         <a:effectLst/>
       </p:bgPr>
@@ -26289,7 +26289,7 @@
               <a:avLst/>
             </a:prstGeom>
             <a:solidFill>
-              <a:srgbClr val="FFFFCC"/>
+              <a:srgbClr val="CCFFCC"/>
             </a:solidFill>
             <a:ln w="12700">
               <a:solidFill>
@@ -42077,7 +42077,7 @@
               <p:spPr bwMode="auto">
                 <a:xfrm>
                   <a:off x="1748318" y="4843584"/>
-                  <a:ext cx="129844" cy="246221"/>
+                  <a:ext cx="65" cy="246221"/>
                 </a:xfrm>
                 <a:prstGeom prst="rect">
                   <a:avLst/>
@@ -42102,12 +42102,9 @@
                       <a:spcPct val="50000"/>
                     </a:spcBef>
                   </a:pPr>
-                  <a:r>
-                    <a:rPr lang="en-US" dirty="0">
-                      <a:latin typeface="+mn-lt"/>
-                    </a:rPr>
-                    <a:t>5</a:t>
-                  </a:r>
+                  <a:endParaRPr lang="en-US" dirty="0">
+                    <a:latin typeface="+mn-lt"/>
+                  </a:endParaRPr>
                 </a:p>
               </p:txBody>
             </p:sp>
@@ -42230,7 +42227,7 @@
               <p:spPr bwMode="auto">
                 <a:xfrm>
                   <a:off x="3890694" y="4843584"/>
-                  <a:ext cx="129844" cy="246221"/>
+                  <a:ext cx="65" cy="246221"/>
                 </a:xfrm>
                 <a:prstGeom prst="rect">
                   <a:avLst/>
@@ -42255,12 +42252,9 @@
                       <a:spcPct val="50000"/>
                     </a:spcBef>
                   </a:pPr>
-                  <a:r>
-                    <a:rPr lang="en-US" dirty="0">
-                      <a:latin typeface="+mn-lt"/>
-                    </a:rPr>
-                    <a:t>5</a:t>
-                  </a:r>
+                  <a:endParaRPr lang="en-US" dirty="0">
+                    <a:latin typeface="+mn-lt"/>
+                  </a:endParaRPr>
                 </a:p>
               </p:txBody>
             </p:sp>
@@ -42280,8 +42274,8 @@
               </p:nvSpPr>
               <p:spPr bwMode="auto">
                 <a:xfrm>
-                  <a:off x="2798852" y="4843663"/>
-                  <a:ext cx="260350" cy="246062"/>
+                  <a:off x="2798852" y="4843584"/>
+                  <a:ext cx="65" cy="246221"/>
                 </a:xfrm>
                 <a:prstGeom prst="rect">
                   <a:avLst/>
@@ -42306,12 +42300,9 @@
                       <a:spcPct val="50000"/>
                     </a:spcBef>
                   </a:pPr>
-                  <a:r>
-                    <a:rPr lang="en-US" dirty="0">
-                      <a:latin typeface="+mn-lt"/>
-                    </a:rPr>
-                    <a:t>10</a:t>
-                  </a:r>
+                  <a:endParaRPr lang="en-US" dirty="0">
+                    <a:latin typeface="+mn-lt"/>
+                  </a:endParaRPr>
                 </a:p>
               </p:txBody>
             </p:sp>
@@ -43385,9 +43376,9 @@
             </p:nvGrpSpPr>
             <p:grpSpPr>
               <a:xfrm>
-                <a:off x="1767156" y="4852227"/>
+                <a:off x="1767156" y="4841466"/>
                 <a:ext cx="2351356" cy="246062"/>
-                <a:chOff x="1931540" y="4996063"/>
+                <a:chOff x="1931540" y="4985302"/>
                 <a:chExt cx="2351356" cy="246062"/>
               </a:xfrm>
               <a:solidFill>
@@ -43410,13 +43401,13 @@
               </p:nvSpPr>
               <p:spPr bwMode="auto">
                 <a:xfrm>
-                  <a:off x="1931540" y="4996063"/>
+                  <a:off x="1931540" y="4985302"/>
                   <a:ext cx="260350" cy="246062"/>
                 </a:xfrm>
                 <a:prstGeom prst="rect">
                   <a:avLst/>
                 </a:prstGeom>
-                <a:grpFill/>
+                <a:noFill/>
                 <a:ln w="12700">
                   <a:noFill/>
                   <a:miter lim="800000"/>
@@ -43461,13 +43452,13 @@
               </p:nvSpPr>
               <p:spPr bwMode="auto">
                 <a:xfrm>
-                  <a:off x="4022546" y="4996063"/>
+                  <a:off x="4022546" y="4985302"/>
                   <a:ext cx="260350" cy="246062"/>
                 </a:xfrm>
                 <a:prstGeom prst="rect">
                   <a:avLst/>
                 </a:prstGeom>
-                <a:grpFill/>
+                <a:noFill/>
                 <a:ln w="12700">
                   <a:noFill/>
                   <a:miter lim="800000"/>
@@ -43512,13 +43503,13 @@
               </p:nvSpPr>
               <p:spPr bwMode="auto">
                 <a:xfrm>
-                  <a:off x="2971800" y="4996063"/>
+                  <a:off x="2971800" y="4985302"/>
                   <a:ext cx="260350" cy="246062"/>
                 </a:xfrm>
                 <a:prstGeom prst="rect">
                   <a:avLst/>
                 </a:prstGeom>
-                <a:grpFill/>
+                <a:noFill/>
                 <a:ln w="12700">
                   <a:noFill/>
                   <a:miter lim="800000"/>
@@ -43539,7 +43530,7 @@
                     </a:spcBef>
                   </a:pPr>
                   <a:r>
-                    <a:rPr lang="en-US">
+                    <a:rPr lang="en-US" dirty="0">
                       <a:latin typeface="+mn-lt"/>
                     </a:rPr>
                     <a:t>40</a:t>
@@ -43849,7 +43840,7 @@
               <a:avLst/>
             </a:prstGeom>
             <a:solidFill>
-              <a:srgbClr val="CCFFCC"/>
+              <a:srgbClr val="BBE0E3"/>
             </a:solidFill>
             <a:ln w="12700" cap="flat" cmpd="sng" algn="ctr">
               <a:solidFill>
@@ -45045,7 +45036,7 @@
               <a:avLst/>
             </a:prstGeom>
             <a:solidFill>
-              <a:srgbClr val="FFFF99"/>
+              <a:srgbClr val="CCFFCC"/>
             </a:solidFill>
             <a:ln w="12700" cap="flat" cmpd="sng" algn="ctr">
               <a:solidFill>
@@ -45116,7 +45107,7 @@
               <a:avLst/>
             </a:prstGeom>
             <a:solidFill>
-              <a:srgbClr val="FFFF99"/>
+              <a:srgbClr val="CCFFCC"/>
             </a:solidFill>
             <a:ln w="12700" cap="flat" cmpd="sng" algn="ctr">
               <a:solidFill>
@@ -45421,7 +45412,7 @@
               <a:avLst/>
             </a:prstGeom>
             <a:solidFill>
-              <a:srgbClr val="FFFF99"/>
+              <a:srgbClr val="CCFFCC"/>
             </a:solidFill>
             <a:ln w="12700" cap="flat" cmpd="sng" algn="ctr">
               <a:solidFill>
@@ -46615,7 +46606,7 @@
               <a:avLst/>
             </a:prstGeom>
             <a:solidFill>
-              <a:srgbClr val="FFFF99"/>
+              <a:srgbClr val="CCFFCC"/>
             </a:solidFill>
             <a:ln w="12700" cap="flat" cmpd="sng" algn="ctr">
               <a:solidFill>
@@ -46686,7 +46677,7 @@
               <a:avLst/>
             </a:prstGeom>
             <a:solidFill>
-              <a:srgbClr val="FFFF99"/>
+              <a:srgbClr val="CCFFCC"/>
             </a:solidFill>
             <a:ln w="12700" cap="flat" cmpd="sng" algn="ctr">
               <a:solidFill>
@@ -46991,7 +46982,7 @@
               <a:avLst/>
             </a:prstGeom>
             <a:solidFill>
-              <a:srgbClr val="FFFF99"/>
+              <a:srgbClr val="CCFFCC"/>
             </a:solidFill>
             <a:ln w="12700" cap="flat" cmpd="sng" algn="ctr">
               <a:solidFill>
@@ -47062,7 +47053,7 @@
               <a:avLst/>
             </a:prstGeom>
             <a:solidFill>
-              <a:srgbClr val="FFFF99"/>
+              <a:srgbClr val="CCFFCC"/>
             </a:solidFill>
             <a:ln w="12700" cap="flat" cmpd="sng" algn="ctr">
               <a:solidFill>
@@ -47133,7 +47124,7 @@
               <a:avLst/>
             </a:prstGeom>
             <a:solidFill>
-              <a:srgbClr val="FFFF99"/>
+              <a:srgbClr val="CCFFCC"/>
             </a:solidFill>
             <a:ln w="12700" cap="flat" cmpd="sng" algn="ctr">
               <a:solidFill>
@@ -47204,7 +47195,7 @@
               <a:avLst/>
             </a:prstGeom>
             <a:solidFill>
-              <a:srgbClr val="FFFF99"/>
+              <a:srgbClr val="CCFFCC"/>
             </a:solidFill>
             <a:ln w="12700" cap="flat" cmpd="sng" algn="ctr">
               <a:solidFill>
@@ -47275,7 +47266,7 @@
               <a:avLst/>
             </a:prstGeom>
             <a:solidFill>
-              <a:srgbClr val="FFFF99"/>
+              <a:srgbClr val="CCFFCC"/>
             </a:solidFill>
             <a:ln w="12700" cap="flat" cmpd="sng" algn="ctr">
               <a:solidFill>
@@ -47346,7 +47337,7 @@
               <a:avLst/>
             </a:prstGeom>
             <a:solidFill>
-              <a:srgbClr val="FFFF99"/>
+              <a:srgbClr val="CCFFCC"/>
             </a:solidFill>
             <a:ln w="12700" cap="flat" cmpd="sng" algn="ctr">
               <a:solidFill>
@@ -47417,7 +47408,7 @@
               <a:avLst/>
             </a:prstGeom>
             <a:solidFill>
-              <a:srgbClr val="FFFF99"/>
+              <a:srgbClr val="CCFFCC"/>
             </a:solidFill>
             <a:ln w="12700" cap="flat" cmpd="sng" algn="ctr">
               <a:solidFill>
@@ -48058,7 +48049,7 @@
                 <a:avLst/>
               </a:prstGeom>
               <a:solidFill>
-                <a:srgbClr val="FFFFCC"/>
+                <a:srgbClr val="CCFFFF"/>
               </a:solidFill>
               <a:ln w="12700" cap="flat" cmpd="sng" algn="ctr">
                 <a:solidFill>

--- a/dataStructures/specialty/figs.pptx
+++ b/dataStructures/specialty/figs.pptx
@@ -33501,10 +33501,16 @@
                 </a:spcBef>
               </a:pPr>
               <a:r>
+                <a:rPr lang="en-US" sz="1800" i="1" dirty="0">
+                  <a:latin typeface="+mn-lt"/>
+                </a:rPr>
+                <a:t>prune</a:t>
+              </a:r>
+              <a:r>
                 <a:rPr lang="en-US" sz="1800" dirty="0">
                   <a:latin typeface="+mn-lt"/>
                 </a:rPr>
-                <a:t>prune(</a:t>
+                <a:t>(</a:t>
               </a:r>
               <a:r>
                 <a:rPr lang="en-US" sz="1800" i="1" dirty="0" err="1">
@@ -33516,7 +33522,19 @@
                 <a:rPr lang="en-US" sz="1800" dirty="0">
                   <a:latin typeface="+mn-lt"/>
                 </a:rPr>
-                <a:t>), graft(</a:t>
+                <a:t>), </a:t>
+              </a:r>
+              <a:r>
+                <a:rPr lang="en-US" sz="1800" i="1" dirty="0">
+                  <a:latin typeface="+mn-lt"/>
+                </a:rPr>
+                <a:t>graft</a:t>
+              </a:r>
+              <a:r>
+                <a:rPr lang="en-US" sz="1800" dirty="0">
+                  <a:latin typeface="+mn-lt"/>
+                </a:rPr>
+                <a:t>(</a:t>
               </a:r>
               <a:r>
                 <a:rPr lang="en-US" sz="1800" i="1" dirty="0" err="1">
@@ -33576,7 +33594,7 @@
                 </a:spcBef>
               </a:pPr>
               <a:r>
-                <a:rPr lang="en-US" sz="1800" dirty="0" err="1">
+                <a:rPr lang="en-US" sz="1800" i="1" dirty="0" err="1">
                   <a:latin typeface="+mn-lt"/>
                 </a:rPr>
                 <a:t>findtail</a:t>
@@ -33606,7 +33624,7 @@
                 <a:t>q, </a:t>
               </a:r>
               <a:r>
-                <a:rPr lang="en-US" sz="1800" dirty="0" err="1">
+                <a:rPr lang="en-US" sz="1800" i="1" dirty="0" err="1">
                   <a:latin typeface="+mn-lt"/>
                 </a:rPr>
                 <a:t>findcost</a:t>
@@ -43249,10 +43267,16 @@
                   </a:spcBef>
                 </a:pPr>
                 <a:r>
+                  <a:rPr lang="en-US" sz="1800" i="1" dirty="0">
+                    <a:latin typeface="+mn-lt"/>
+                  </a:rPr>
+                  <a:t>split</a:t>
+                </a:r>
+                <a:r>
                   <a:rPr lang="en-US" sz="1800" dirty="0">
                     <a:latin typeface="+mn-lt"/>
                   </a:rPr>
-                  <a:t>split(</a:t>
+                  <a:t>(</a:t>
                 </a:r>
                 <a:r>
                   <a:rPr lang="en-US" sz="1800" i="1" dirty="0">
@@ -43312,7 +43336,7 @@
                   </a:spcBef>
                 </a:pPr>
                 <a:r>
-                  <a:rPr lang="en-US" sz="1800" dirty="0" err="1">
+                  <a:rPr lang="en-US" sz="1800" i="1" dirty="0" err="1">
                     <a:latin typeface="+mn-lt"/>
                   </a:rPr>
                   <a:t>findpathcost</a:t>
@@ -43324,7 +43348,7 @@
                   <a:t>(</a:t>
                 </a:r>
                 <a:r>
-                  <a:rPr lang="en-US" sz="1800" dirty="0" err="1">
+                  <a:rPr lang="en-US" sz="1800" i="1" dirty="0" err="1">
                     <a:latin typeface="+mn-lt"/>
                   </a:rPr>
                   <a:t>findpath</a:t>
@@ -43582,7 +43606,7 @@
                   </a:spcBef>
                 </a:pPr>
                 <a:r>
-                  <a:rPr lang="en-US" sz="1800" dirty="0" err="1">
+                  <a:rPr lang="en-US" sz="1800" i="1" dirty="0" err="1">
                     <a:latin typeface="+mn-lt"/>
                   </a:rPr>
                   <a:t>addpathcost</a:t>
@@ -43594,7 +43618,7 @@
                   <a:t>(</a:t>
                 </a:r>
                 <a:r>
-                  <a:rPr lang="en-US" sz="1800" dirty="0" err="1">
+                  <a:rPr lang="en-US" sz="1800" i="1" dirty="0" err="1">
                     <a:latin typeface="+mn-lt"/>
                   </a:rPr>
                   <a:t>findpath</a:t>
@@ -43675,13 +43699,19 @@
                   </a:spcBef>
                 </a:pPr>
                 <a:r>
+                  <a:rPr lang="en-US" sz="1800" i="1" dirty="0">
+                    <a:latin typeface="+mn-lt"/>
+                  </a:rPr>
+                  <a:t>join</a:t>
+                </a:r>
+                <a:r>
                   <a:rPr lang="en-US" sz="1800" dirty="0">
                     <a:latin typeface="+mn-lt"/>
                   </a:rPr>
-                  <a:t>join(</a:t>
+                  <a:t>(</a:t>
                 </a:r>
                 <a:r>
-                  <a:rPr lang="en-US" sz="1800" dirty="0" err="1">
+                  <a:rPr lang="en-US" sz="1800" i="1" dirty="0" err="1">
                     <a:latin typeface="+mn-lt"/>
                   </a:rPr>
                   <a:t>findpath</a:t>
@@ -43714,13 +43744,7 @@
                   <a:rPr lang="en-US" sz="1800" i="1" dirty="0" err="1">
                     <a:latin typeface="+mn-lt"/>
                   </a:rPr>
-                  <a:t>m,</a:t>
-                </a:r>
-                <a:r>
-                  <a:rPr lang="en-US" sz="1800" dirty="0" err="1">
-                    <a:latin typeface="+mn-lt"/>
-                  </a:rPr>
-                  <a:t>findpath</a:t>
+                  <a:t>m,findpath</a:t>
                 </a:r>
                 <a:r>
                   <a:rPr lang="en-US" sz="1800" dirty="0">
